--- a/Thesis/Figures/polished/stock.pptx
+++ b/Thesis/Figures/polished/stock.pptx
@@ -2,12 +2,12 @@
 <file path=ppt/presentation.xml><?xml version="1.0" encoding="utf-8"?>
 <p:presentation xmlns:a="http://schemas.openxmlformats.org/drawingml/2006/main" xmlns:r="http://schemas.openxmlformats.org/officeDocument/2006/relationships" xmlns:p="http://schemas.openxmlformats.org/presentationml/2006/main" saveSubsetFonts="1">
   <p:sldMasterIdLst>
-    <p:sldMasterId id="2147483672" r:id="rId1"/>
+    <p:sldMasterId id="2147483696" r:id="rId1"/>
   </p:sldMasterIdLst>
   <p:sldIdLst>
     <p:sldId id="256" r:id="rId2"/>
   </p:sldIdLst>
-  <p:sldSz cx="11520488" cy="4319588"/>
+  <p:sldSz cx="10620375" cy="4319588"/>
   <p:notesSz cx="6858000" cy="9144000"/>
   <p:defaultTextStyle>
     <a:defPPr>
@@ -141,8 +141,8 @@
         </p:nvSpPr>
         <p:spPr>
           <a:xfrm>
-            <a:off x="1440061" y="706933"/>
-            <a:ext cx="8640366" cy="1503857"/>
+            <a:off x="1327547" y="706933"/>
+            <a:ext cx="7965281" cy="1503857"/>
           </a:xfrm>
         </p:spPr>
         <p:txBody>
@@ -173,8 +173,8 @@
         </p:nvSpPr>
         <p:spPr>
           <a:xfrm>
-            <a:off x="1440061" y="2268784"/>
-            <a:ext cx="8640366" cy="1042900"/>
+            <a:off x="1327547" y="2268784"/>
+            <a:ext cx="7965281" cy="1042900"/>
           </a:xfrm>
         </p:spPr>
         <p:txBody>
@@ -243,7 +243,7 @@
           <a:p>
             <a:fld id="{A0226FFC-6359-4CB7-8CE1-2DDE6EB12708}" type="datetimeFigureOut">
               <a:rPr lang="en-AU" smtClean="0"/>
-              <a:t>19/09/2018</a:t>
+              <a:t>25/09/2018</a:t>
             </a:fld>
             <a:endParaRPr lang="en-AU"/>
           </a:p>
@@ -294,7 +294,7 @@
     </p:spTree>
     <p:extLst>
       <p:ext uri="{BB962C8B-B14F-4D97-AF65-F5344CB8AC3E}">
-        <p14:creationId xmlns:p14="http://schemas.microsoft.com/office/powerpoint/2010/main" val="2564699754"/>
+        <p14:creationId xmlns:p14="http://schemas.microsoft.com/office/powerpoint/2010/main" val="34925312"/>
       </p:ext>
     </p:extLst>
   </p:cSld>
@@ -413,7 +413,7 @@
           <a:p>
             <a:fld id="{A0226FFC-6359-4CB7-8CE1-2DDE6EB12708}" type="datetimeFigureOut">
               <a:rPr lang="en-AU" smtClean="0"/>
-              <a:t>19/09/2018</a:t>
+              <a:t>25/09/2018</a:t>
             </a:fld>
             <a:endParaRPr lang="en-AU"/>
           </a:p>
@@ -464,7 +464,7 @@
     </p:spTree>
     <p:extLst>
       <p:ext uri="{BB962C8B-B14F-4D97-AF65-F5344CB8AC3E}">
-        <p14:creationId xmlns:p14="http://schemas.microsoft.com/office/powerpoint/2010/main" val="3361850874"/>
+        <p14:creationId xmlns:p14="http://schemas.microsoft.com/office/powerpoint/2010/main" val="3744987075"/>
       </p:ext>
     </p:extLst>
   </p:cSld>
@@ -503,8 +503,8 @@
         </p:nvSpPr>
         <p:spPr>
           <a:xfrm>
-            <a:off x="8244349" y="229978"/>
-            <a:ext cx="2484105" cy="3660651"/>
+            <a:off x="7600206" y="229978"/>
+            <a:ext cx="2290018" cy="3660651"/>
           </a:xfrm>
         </p:spPr>
         <p:txBody>
@@ -531,8 +531,8 @@
         </p:nvSpPr>
         <p:spPr>
           <a:xfrm>
-            <a:off x="792033" y="229978"/>
-            <a:ext cx="7308310" cy="3660651"/>
+            <a:off x="730151" y="229978"/>
+            <a:ext cx="6737300" cy="3660651"/>
           </a:xfrm>
         </p:spPr>
         <p:txBody>
@@ -593,7 +593,7 @@
           <a:p>
             <a:fld id="{A0226FFC-6359-4CB7-8CE1-2DDE6EB12708}" type="datetimeFigureOut">
               <a:rPr lang="en-AU" smtClean="0"/>
-              <a:t>19/09/2018</a:t>
+              <a:t>25/09/2018</a:t>
             </a:fld>
             <a:endParaRPr lang="en-AU"/>
           </a:p>
@@ -644,7 +644,7 @@
     </p:spTree>
     <p:extLst>
       <p:ext uri="{BB962C8B-B14F-4D97-AF65-F5344CB8AC3E}">
-        <p14:creationId xmlns:p14="http://schemas.microsoft.com/office/powerpoint/2010/main" val="2488221545"/>
+        <p14:creationId xmlns:p14="http://schemas.microsoft.com/office/powerpoint/2010/main" val="3067212511"/>
       </p:ext>
     </p:extLst>
   </p:cSld>
@@ -763,7 +763,7 @@
           <a:p>
             <a:fld id="{A0226FFC-6359-4CB7-8CE1-2DDE6EB12708}" type="datetimeFigureOut">
               <a:rPr lang="en-AU" smtClean="0"/>
-              <a:t>19/09/2018</a:t>
+              <a:t>25/09/2018</a:t>
             </a:fld>
             <a:endParaRPr lang="en-AU"/>
           </a:p>
@@ -814,7 +814,7 @@
     </p:spTree>
     <p:extLst>
       <p:ext uri="{BB962C8B-B14F-4D97-AF65-F5344CB8AC3E}">
-        <p14:creationId xmlns:p14="http://schemas.microsoft.com/office/powerpoint/2010/main" val="719254275"/>
+        <p14:creationId xmlns:p14="http://schemas.microsoft.com/office/powerpoint/2010/main" val="3210774084"/>
       </p:ext>
     </p:extLst>
   </p:cSld>
@@ -853,8 +853,8 @@
         </p:nvSpPr>
         <p:spPr>
           <a:xfrm>
-            <a:off x="786033" y="1076898"/>
-            <a:ext cx="9936421" cy="1796828"/>
+            <a:off x="724620" y="1076898"/>
+            <a:ext cx="9160073" cy="1796828"/>
           </a:xfrm>
         </p:spPr>
         <p:txBody>
@@ -885,8 +885,8 @@
         </p:nvSpPr>
         <p:spPr>
           <a:xfrm>
-            <a:off x="786033" y="2890725"/>
-            <a:ext cx="9936421" cy="944910"/>
+            <a:off x="724620" y="2890725"/>
+            <a:ext cx="9160073" cy="944910"/>
           </a:xfrm>
         </p:spPr>
         <p:txBody>
@@ -1009,7 +1009,7 @@
           <a:p>
             <a:fld id="{A0226FFC-6359-4CB7-8CE1-2DDE6EB12708}" type="datetimeFigureOut">
               <a:rPr lang="en-AU" smtClean="0"/>
-              <a:t>19/09/2018</a:t>
+              <a:t>25/09/2018</a:t>
             </a:fld>
             <a:endParaRPr lang="en-AU"/>
           </a:p>
@@ -1060,7 +1060,7 @@
     </p:spTree>
     <p:extLst>
       <p:ext uri="{BB962C8B-B14F-4D97-AF65-F5344CB8AC3E}">
-        <p14:creationId xmlns:p14="http://schemas.microsoft.com/office/powerpoint/2010/main" val="2303364634"/>
+        <p14:creationId xmlns:p14="http://schemas.microsoft.com/office/powerpoint/2010/main" val="2338566833"/>
       </p:ext>
     </p:extLst>
   </p:cSld>
@@ -1122,8 +1122,8 @@
         </p:nvSpPr>
         <p:spPr>
           <a:xfrm>
-            <a:off x="792034" y="1149890"/>
-            <a:ext cx="4896207" cy="2740739"/>
+            <a:off x="730151" y="1149890"/>
+            <a:ext cx="4513659" cy="2740739"/>
           </a:xfrm>
         </p:spPr>
         <p:txBody>
@@ -1179,8 +1179,8 @@
         </p:nvSpPr>
         <p:spPr>
           <a:xfrm>
-            <a:off x="5832247" y="1149890"/>
-            <a:ext cx="4896207" cy="2740739"/>
+            <a:off x="5376565" y="1149890"/>
+            <a:ext cx="4513659" cy="2740739"/>
           </a:xfrm>
         </p:spPr>
         <p:txBody>
@@ -1241,7 +1241,7 @@
           <a:p>
             <a:fld id="{A0226FFC-6359-4CB7-8CE1-2DDE6EB12708}" type="datetimeFigureOut">
               <a:rPr lang="en-AU" smtClean="0"/>
-              <a:t>19/09/2018</a:t>
+              <a:t>25/09/2018</a:t>
             </a:fld>
             <a:endParaRPr lang="en-AU"/>
           </a:p>
@@ -1292,7 +1292,7 @@
     </p:spTree>
     <p:extLst>
       <p:ext uri="{BB962C8B-B14F-4D97-AF65-F5344CB8AC3E}">
-        <p14:creationId xmlns:p14="http://schemas.microsoft.com/office/powerpoint/2010/main" val="101819201"/>
+        <p14:creationId xmlns:p14="http://schemas.microsoft.com/office/powerpoint/2010/main" val="284991284"/>
       </p:ext>
     </p:extLst>
   </p:cSld>
@@ -1331,8 +1331,8 @@
         </p:nvSpPr>
         <p:spPr>
           <a:xfrm>
-            <a:off x="793534" y="229978"/>
-            <a:ext cx="9936421" cy="834921"/>
+            <a:off x="731534" y="229978"/>
+            <a:ext cx="9160073" cy="834921"/>
           </a:xfrm>
         </p:spPr>
         <p:txBody>
@@ -1359,8 +1359,8 @@
         </p:nvSpPr>
         <p:spPr>
           <a:xfrm>
-            <a:off x="793535" y="1058899"/>
-            <a:ext cx="4873706" cy="518950"/>
+            <a:off x="731535" y="1058899"/>
+            <a:ext cx="4492916" cy="518950"/>
           </a:xfrm>
         </p:spPr>
         <p:txBody>
@@ -1424,8 +1424,8 @@
         </p:nvSpPr>
         <p:spPr>
           <a:xfrm>
-            <a:off x="793535" y="1577849"/>
-            <a:ext cx="4873706" cy="2320779"/>
+            <a:off x="731535" y="1577849"/>
+            <a:ext cx="4492916" cy="2320779"/>
           </a:xfrm>
         </p:spPr>
         <p:txBody>
@@ -1481,8 +1481,8 @@
         </p:nvSpPr>
         <p:spPr>
           <a:xfrm>
-            <a:off x="5832247" y="1058899"/>
-            <a:ext cx="4897708" cy="518950"/>
+            <a:off x="5376565" y="1058899"/>
+            <a:ext cx="4515043" cy="518950"/>
           </a:xfrm>
         </p:spPr>
         <p:txBody>
@@ -1546,8 +1546,8 @@
         </p:nvSpPr>
         <p:spPr>
           <a:xfrm>
-            <a:off x="5832247" y="1577849"/>
-            <a:ext cx="4897708" cy="2320779"/>
+            <a:off x="5376565" y="1577849"/>
+            <a:ext cx="4515043" cy="2320779"/>
           </a:xfrm>
         </p:spPr>
         <p:txBody>
@@ -1608,7 +1608,7 @@
           <a:p>
             <a:fld id="{A0226FFC-6359-4CB7-8CE1-2DDE6EB12708}" type="datetimeFigureOut">
               <a:rPr lang="en-AU" smtClean="0"/>
-              <a:t>19/09/2018</a:t>
+              <a:t>25/09/2018</a:t>
             </a:fld>
             <a:endParaRPr lang="en-AU"/>
           </a:p>
@@ -1659,7 +1659,7 @@
     </p:spTree>
     <p:extLst>
       <p:ext uri="{BB962C8B-B14F-4D97-AF65-F5344CB8AC3E}">
-        <p14:creationId xmlns:p14="http://schemas.microsoft.com/office/powerpoint/2010/main" val="600854346"/>
+        <p14:creationId xmlns:p14="http://schemas.microsoft.com/office/powerpoint/2010/main" val="13868401"/>
       </p:ext>
     </p:extLst>
   </p:cSld>
@@ -1726,7 +1726,7 @@
           <a:p>
             <a:fld id="{A0226FFC-6359-4CB7-8CE1-2DDE6EB12708}" type="datetimeFigureOut">
               <a:rPr lang="en-AU" smtClean="0"/>
-              <a:t>19/09/2018</a:t>
+              <a:t>25/09/2018</a:t>
             </a:fld>
             <a:endParaRPr lang="en-AU"/>
           </a:p>
@@ -1777,7 +1777,7 @@
     </p:spTree>
     <p:extLst>
       <p:ext uri="{BB962C8B-B14F-4D97-AF65-F5344CB8AC3E}">
-        <p14:creationId xmlns:p14="http://schemas.microsoft.com/office/powerpoint/2010/main" val="2715552314"/>
+        <p14:creationId xmlns:p14="http://schemas.microsoft.com/office/powerpoint/2010/main" val="669383616"/>
       </p:ext>
     </p:extLst>
   </p:cSld>
@@ -1821,7 +1821,7 @@
           <a:p>
             <a:fld id="{A0226FFC-6359-4CB7-8CE1-2DDE6EB12708}" type="datetimeFigureOut">
               <a:rPr lang="en-AU" smtClean="0"/>
-              <a:t>19/09/2018</a:t>
+              <a:t>25/09/2018</a:t>
             </a:fld>
             <a:endParaRPr lang="en-AU"/>
           </a:p>
@@ -1872,7 +1872,7 @@
     </p:spTree>
     <p:extLst>
       <p:ext uri="{BB962C8B-B14F-4D97-AF65-F5344CB8AC3E}">
-        <p14:creationId xmlns:p14="http://schemas.microsoft.com/office/powerpoint/2010/main" val="2674727047"/>
+        <p14:creationId xmlns:p14="http://schemas.microsoft.com/office/powerpoint/2010/main" val="76241306"/>
       </p:ext>
     </p:extLst>
   </p:cSld>
@@ -1911,8 +1911,8 @@
         </p:nvSpPr>
         <p:spPr>
           <a:xfrm>
-            <a:off x="793535" y="287972"/>
-            <a:ext cx="3715657" cy="1007904"/>
+            <a:off x="731535" y="287972"/>
+            <a:ext cx="3425347" cy="1007904"/>
           </a:xfrm>
         </p:spPr>
         <p:txBody>
@@ -1943,8 +1943,8 @@
         </p:nvSpPr>
         <p:spPr>
           <a:xfrm>
-            <a:off x="4897708" y="621941"/>
-            <a:ext cx="5832247" cy="3069707"/>
+            <a:off x="4515043" y="621941"/>
+            <a:ext cx="5376565" cy="3069707"/>
           </a:xfrm>
         </p:spPr>
         <p:txBody>
@@ -2028,8 +2028,8 @@
         </p:nvSpPr>
         <p:spPr>
           <a:xfrm>
-            <a:off x="793535" y="1295877"/>
-            <a:ext cx="3715657" cy="2400771"/>
+            <a:off x="731535" y="1295877"/>
+            <a:ext cx="3425347" cy="2400771"/>
           </a:xfrm>
         </p:spPr>
         <p:txBody>
@@ -2098,7 +2098,7 @@
           <a:p>
             <a:fld id="{A0226FFC-6359-4CB7-8CE1-2DDE6EB12708}" type="datetimeFigureOut">
               <a:rPr lang="en-AU" smtClean="0"/>
-              <a:t>19/09/2018</a:t>
+              <a:t>25/09/2018</a:t>
             </a:fld>
             <a:endParaRPr lang="en-AU"/>
           </a:p>
@@ -2149,7 +2149,7 @@
     </p:spTree>
     <p:extLst>
       <p:ext uri="{BB962C8B-B14F-4D97-AF65-F5344CB8AC3E}">
-        <p14:creationId xmlns:p14="http://schemas.microsoft.com/office/powerpoint/2010/main" val="3007553570"/>
+        <p14:creationId xmlns:p14="http://schemas.microsoft.com/office/powerpoint/2010/main" val="116495482"/>
       </p:ext>
     </p:extLst>
   </p:cSld>
@@ -2188,8 +2188,8 @@
         </p:nvSpPr>
         <p:spPr>
           <a:xfrm>
-            <a:off x="793535" y="287972"/>
-            <a:ext cx="3715657" cy="1007904"/>
+            <a:off x="731535" y="287972"/>
+            <a:ext cx="3425347" cy="1007904"/>
           </a:xfrm>
         </p:spPr>
         <p:txBody>
@@ -2220,8 +2220,8 @@
         </p:nvSpPr>
         <p:spPr>
           <a:xfrm>
-            <a:off x="4897708" y="621941"/>
-            <a:ext cx="5832247" cy="3069707"/>
+            <a:off x="4515043" y="621941"/>
+            <a:ext cx="5376565" cy="3069707"/>
           </a:xfrm>
         </p:spPr>
         <p:txBody>
@@ -2285,8 +2285,8 @@
         </p:nvSpPr>
         <p:spPr>
           <a:xfrm>
-            <a:off x="793535" y="1295877"/>
-            <a:ext cx="3715657" cy="2400771"/>
+            <a:off x="731535" y="1295877"/>
+            <a:ext cx="3425347" cy="2400771"/>
           </a:xfrm>
         </p:spPr>
         <p:txBody>
@@ -2355,7 +2355,7 @@
           <a:p>
             <a:fld id="{A0226FFC-6359-4CB7-8CE1-2DDE6EB12708}" type="datetimeFigureOut">
               <a:rPr lang="en-AU" smtClean="0"/>
-              <a:t>19/09/2018</a:t>
+              <a:t>25/09/2018</a:t>
             </a:fld>
             <a:endParaRPr lang="en-AU"/>
           </a:p>
@@ -2406,7 +2406,7 @@
     </p:spTree>
     <p:extLst>
       <p:ext uri="{BB962C8B-B14F-4D97-AF65-F5344CB8AC3E}">
-        <p14:creationId xmlns:p14="http://schemas.microsoft.com/office/powerpoint/2010/main" val="2833281928"/>
+        <p14:creationId xmlns:p14="http://schemas.microsoft.com/office/powerpoint/2010/main" val="4100744658"/>
       </p:ext>
     </p:extLst>
   </p:cSld>
@@ -2450,8 +2450,8 @@
         </p:nvSpPr>
         <p:spPr>
           <a:xfrm>
-            <a:off x="792034" y="229978"/>
-            <a:ext cx="9936421" cy="834921"/>
+            <a:off x="730151" y="229978"/>
+            <a:ext cx="9160073" cy="834921"/>
           </a:xfrm>
           <a:prstGeom prst="rect">
             <a:avLst/>
@@ -2483,8 +2483,8 @@
         </p:nvSpPr>
         <p:spPr>
           <a:xfrm>
-            <a:off x="792034" y="1149890"/>
-            <a:ext cx="9936421" cy="2740739"/>
+            <a:off x="730151" y="1149890"/>
+            <a:ext cx="9160073" cy="2740739"/>
           </a:xfrm>
           <a:prstGeom prst="rect">
             <a:avLst/>
@@ -2545,8 +2545,8 @@
         </p:nvSpPr>
         <p:spPr>
           <a:xfrm>
-            <a:off x="792033" y="4003618"/>
-            <a:ext cx="2592110" cy="229978"/>
+            <a:off x="730151" y="4003618"/>
+            <a:ext cx="2389584" cy="229978"/>
           </a:xfrm>
           <a:prstGeom prst="rect">
             <a:avLst/>
@@ -2568,7 +2568,7 @@
           <a:p>
             <a:fld id="{A0226FFC-6359-4CB7-8CE1-2DDE6EB12708}" type="datetimeFigureOut">
               <a:rPr lang="en-AU" smtClean="0"/>
-              <a:t>19/09/2018</a:t>
+              <a:t>25/09/2018</a:t>
             </a:fld>
             <a:endParaRPr lang="en-AU"/>
           </a:p>
@@ -2586,8 +2586,8 @@
         </p:nvSpPr>
         <p:spPr>
           <a:xfrm>
-            <a:off x="3816162" y="4003618"/>
-            <a:ext cx="3888165" cy="229978"/>
+            <a:off x="3517999" y="4003618"/>
+            <a:ext cx="3584377" cy="229978"/>
           </a:xfrm>
           <a:prstGeom prst="rect">
             <a:avLst/>
@@ -2623,8 +2623,8 @@
         </p:nvSpPr>
         <p:spPr>
           <a:xfrm>
-            <a:off x="8136345" y="4003618"/>
-            <a:ext cx="2592110" cy="229978"/>
+            <a:off x="7500640" y="4003618"/>
+            <a:ext cx="2389584" cy="229978"/>
           </a:xfrm>
           <a:prstGeom prst="rect">
             <a:avLst/>
@@ -2655,23 +2655,23 @@
     </p:spTree>
     <p:extLst>
       <p:ext uri="{BB962C8B-B14F-4D97-AF65-F5344CB8AC3E}">
-        <p14:creationId xmlns:p14="http://schemas.microsoft.com/office/powerpoint/2010/main" val="4139967430"/>
+        <p14:creationId xmlns:p14="http://schemas.microsoft.com/office/powerpoint/2010/main" val="1305057877"/>
       </p:ext>
     </p:extLst>
   </p:cSld>
   <p:clrMap bg1="lt1" tx1="dk1" bg2="lt2" tx2="dk2" accent1="accent1" accent2="accent2" accent3="accent3" accent4="accent4" accent5="accent5" accent6="accent6" hlink="hlink" folHlink="folHlink"/>
   <p:sldLayoutIdLst>
-    <p:sldLayoutId id="2147483673" r:id="rId1"/>
-    <p:sldLayoutId id="2147483674" r:id="rId2"/>
-    <p:sldLayoutId id="2147483675" r:id="rId3"/>
-    <p:sldLayoutId id="2147483676" r:id="rId4"/>
-    <p:sldLayoutId id="2147483677" r:id="rId5"/>
-    <p:sldLayoutId id="2147483678" r:id="rId6"/>
-    <p:sldLayoutId id="2147483679" r:id="rId7"/>
-    <p:sldLayoutId id="2147483680" r:id="rId8"/>
-    <p:sldLayoutId id="2147483681" r:id="rId9"/>
-    <p:sldLayoutId id="2147483682" r:id="rId10"/>
-    <p:sldLayoutId id="2147483683" r:id="rId11"/>
+    <p:sldLayoutId id="2147483697" r:id="rId1"/>
+    <p:sldLayoutId id="2147483698" r:id="rId2"/>
+    <p:sldLayoutId id="2147483699" r:id="rId3"/>
+    <p:sldLayoutId id="2147483700" r:id="rId4"/>
+    <p:sldLayoutId id="2147483701" r:id="rId5"/>
+    <p:sldLayoutId id="2147483702" r:id="rId6"/>
+    <p:sldLayoutId id="2147483703" r:id="rId7"/>
+    <p:sldLayoutId id="2147483704" r:id="rId8"/>
+    <p:sldLayoutId id="2147483705" r:id="rId9"/>
+    <p:sldLayoutId id="2147483706" r:id="rId10"/>
+    <p:sldLayoutId id="2147483707" r:id="rId11"/>
   </p:sldLayoutIdLst>
   <p:txStyles>
     <p:titleStyle>
@@ -2989,7 +2989,7 @@
         </p:blipFill>
         <p:spPr>
           <a:xfrm>
-            <a:off x="444787" y="64917"/>
+            <a:off x="23247" y="64841"/>
             <a:ext cx="3947110" cy="3947110"/>
           </a:xfrm>
           <a:prstGeom prst="rect">
@@ -3013,7 +3013,7 @@
         </p:blipFill>
         <p:spPr>
           <a:xfrm>
-            <a:off x="4854501" y="38658"/>
+            <a:off x="4054632" y="38660"/>
             <a:ext cx="6564005" cy="3973369"/>
           </a:xfrm>
           <a:prstGeom prst="rect">
@@ -3029,7 +3029,7 @@
         </p:nvSpPr>
         <p:spPr>
           <a:xfrm>
-            <a:off x="67356" y="-10597"/>
+            <a:off x="30672" y="36632"/>
             <a:ext cx="543698" cy="461665"/>
           </a:xfrm>
           <a:prstGeom prst="rect">
@@ -3058,7 +3058,7 @@
         </p:nvSpPr>
         <p:spPr>
           <a:xfrm>
-            <a:off x="4497132" y="-10596"/>
+            <a:off x="4061015" y="2"/>
             <a:ext cx="543698" cy="461665"/>
           </a:xfrm>
           <a:prstGeom prst="rect">
@@ -3089,7 +3089,7 @@
             </p:nvSpPr>
             <p:spPr>
               <a:xfrm>
-                <a:off x="3907601" y="117900"/>
+                <a:off x="3486061" y="117824"/>
                 <a:ext cx="418454" cy="333168"/>
               </a:xfrm>
               <a:prstGeom prst="rect">
@@ -3113,7 +3113,7 @@
                       <m:sSup>
                         <m:sSupPr>
                           <m:ctrlPr>
-                            <a:rPr lang="en-AU" b="0" i="1" smtClean="0">
+                            <a:rPr lang="en-AU" i="1">
                               <a:latin typeface="Cambria Math" panose="02040503050406030204" pitchFamily="18" charset="0"/>
                             </a:rPr>
                           </m:ctrlPr>
@@ -3123,7 +3123,7 @@
                             <m:rPr>
                               <m:sty m:val="p"/>
                             </m:rPr>
-                            <a:rPr lang="en-AU" b="0" i="0" smtClean="0">
+                            <a:rPr lang="en-AU">
                               <a:latin typeface="Cambria Math" panose="02040503050406030204" pitchFamily="18" charset="0"/>
                             </a:rPr>
                             <m:t>P</m:t>
@@ -3131,7 +3131,7 @@
                         </m:e>
                         <m:sup>
                           <m:r>
-                            <a:rPr lang="en-AU" b="0" i="1" smtClean="0">
+                            <a:rPr lang="en-AU" i="1">
                               <a:latin typeface="Cambria Math" panose="02040503050406030204" pitchFamily="18" charset="0"/>
                             </a:rPr>
                             <m:t>+</m:t>
@@ -3157,7 +3157,7 @@
             </p:nvSpPr>
             <p:spPr>
               <a:xfrm>
-                <a:off x="3907601" y="117900"/>
+                <a:off x="3486061" y="117824"/>
                 <a:ext cx="418454" cy="333168"/>
               </a:xfrm>
               <a:prstGeom prst="rect">
@@ -3195,7 +3195,7 @@
             </p:nvSpPr>
             <p:spPr>
               <a:xfrm>
-                <a:off x="3907601" y="363726"/>
+                <a:off x="3486061" y="363650"/>
                 <a:ext cx="418454" cy="333168"/>
               </a:xfrm>
               <a:prstGeom prst="rect">
@@ -3219,7 +3219,7 @@
                       <m:sSup>
                         <m:sSupPr>
                           <m:ctrlPr>
-                            <a:rPr lang="en-AU" b="0" i="1" smtClean="0">
+                            <a:rPr lang="en-AU" i="1">
                               <a:latin typeface="Cambria Math" panose="02040503050406030204" pitchFamily="18" charset="0"/>
                             </a:rPr>
                           </m:ctrlPr>
@@ -3229,7 +3229,7 @@
                             <m:rPr>
                               <m:sty m:val="p"/>
                             </m:rPr>
-                            <a:rPr lang="en-AU" b="0" i="0" smtClean="0">
+                            <a:rPr lang="en-AU">
                               <a:latin typeface="Cambria Math" panose="02040503050406030204" pitchFamily="18" charset="0"/>
                             </a:rPr>
                             <m:t>B</m:t>
@@ -3237,7 +3237,7 @@
                         </m:e>
                         <m:sup>
                           <m:r>
-                            <a:rPr lang="en-AU" b="0" i="1" smtClean="0">
+                            <a:rPr lang="en-AU" i="1">
                               <a:latin typeface="Cambria Math" panose="02040503050406030204" pitchFamily="18" charset="0"/>
                             </a:rPr>
                             <m:t>−</m:t>
@@ -3263,7 +3263,7 @@
             </p:nvSpPr>
             <p:spPr>
               <a:xfrm>
-                <a:off x="3907601" y="363726"/>
+                <a:off x="3486061" y="363650"/>
                 <a:ext cx="418454" cy="333168"/>
               </a:xfrm>
               <a:prstGeom prst="rect">
@@ -3299,7 +3299,7 @@
         </p:nvSpPr>
         <p:spPr>
           <a:xfrm>
-            <a:off x="5050320" y="1482280"/>
+            <a:off x="4250449" y="1482282"/>
             <a:ext cx="1587454" cy="307777"/>
           </a:xfrm>
           <a:prstGeom prst="rect">
@@ -3314,7 +3314,7 @@
           <a:lstStyle/>
           <a:p>
             <a:r>
-              <a:rPr lang="en-AU" sz="1400" dirty="0" smtClean="0"/>
+              <a:rPr lang="en-AU" sz="1400" dirty="0"/>
               <a:t>Optical markers</a:t>
             </a:r>
             <a:endParaRPr lang="en-AU" sz="1400" dirty="0"/>
@@ -3331,7 +3331,7 @@
             </p:nvSpPr>
             <p:spPr>
               <a:xfrm>
-                <a:off x="2206470" y="1332743"/>
+                <a:off x="1784930" y="1332669"/>
                 <a:ext cx="1071322" cy="307777"/>
               </a:xfrm>
               <a:prstGeom prst="rect">
@@ -3346,7 +3346,7 @@
               <a:lstStyle/>
               <a:p>
                 <a:r>
-                  <a:rPr lang="en-AU" sz="1400" dirty="0" smtClean="0"/>
+                  <a:rPr lang="en-AU" sz="1400" dirty="0"/>
                   <a:t>8nm Si</a:t>
                 </a:r>
                 <a14:m>
@@ -3354,7 +3354,7 @@
                     <m:sSub>
                       <m:sSubPr>
                         <m:ctrlPr>
-                          <a:rPr lang="en-AU" sz="1400" b="0" i="1" smtClean="0">
+                          <a:rPr lang="en-AU" sz="1400" i="1">
                             <a:latin typeface="Cambria Math" panose="02040503050406030204" pitchFamily="18" charset="0"/>
                           </a:rPr>
                         </m:ctrlPr>
@@ -3364,7 +3364,7 @@
                           <m:rPr>
                             <m:sty m:val="p"/>
                           </m:rPr>
-                          <a:rPr lang="en-AU" sz="1400" b="0" i="0" smtClean="0">
+                          <a:rPr lang="en-AU" sz="1400">
                             <a:latin typeface="Cambria Math" panose="02040503050406030204" pitchFamily="18" charset="0"/>
                           </a:rPr>
                           <m:t>O</m:t>
@@ -3372,7 +3372,7 @@
                       </m:e>
                       <m:sub>
                         <m:r>
-                          <a:rPr lang="en-AU" sz="1400" b="0" i="0" smtClean="0">
+                          <a:rPr lang="en-AU" sz="1400">
                             <a:latin typeface="Cambria Math" panose="02040503050406030204" pitchFamily="18" charset="0"/>
                           </a:rPr>
                           <m:t>2</m:t>
@@ -3397,7 +3397,7 @@
             </p:nvSpPr>
             <p:spPr>
               <a:xfrm>
-                <a:off x="2206470" y="1332743"/>
+                <a:off x="1784930" y="1332669"/>
                 <a:ext cx="1071322" cy="307777"/>
               </a:xfrm>
               <a:prstGeom prst="rect">
@@ -3435,7 +3435,7 @@
             </p:nvSpPr>
             <p:spPr>
               <a:xfrm>
-                <a:off x="7799713" y="419895"/>
+                <a:off x="6999844" y="419897"/>
                 <a:ext cx="1326255" cy="307777"/>
               </a:xfrm>
               <a:prstGeom prst="rect">
@@ -3450,7 +3450,7 @@
               <a:lstStyle/>
               <a:p>
                 <a:r>
-                  <a:rPr lang="en-AU" sz="1400" dirty="0" smtClean="0"/>
+                  <a:rPr lang="en-AU" sz="1400" dirty="0"/>
                   <a:t>200nm Si</a:t>
                 </a:r>
                 <a14:m>
@@ -3458,7 +3458,7 @@
                     <m:sSub>
                       <m:sSubPr>
                         <m:ctrlPr>
-                          <a:rPr lang="en-AU" sz="1400" b="0" i="1" smtClean="0">
+                          <a:rPr lang="en-AU" sz="1400" i="1">
                             <a:latin typeface="Cambria Math" panose="02040503050406030204" pitchFamily="18" charset="0"/>
                           </a:rPr>
                         </m:ctrlPr>
@@ -3468,7 +3468,7 @@
                           <m:rPr>
                             <m:sty m:val="p"/>
                           </m:rPr>
-                          <a:rPr lang="en-AU" sz="1400" b="0" i="0" smtClean="0">
+                          <a:rPr lang="en-AU" sz="1400">
                             <a:latin typeface="Cambria Math" panose="02040503050406030204" pitchFamily="18" charset="0"/>
                           </a:rPr>
                           <m:t>O</m:t>
@@ -3476,7 +3476,7 @@
                       </m:e>
                       <m:sub>
                         <m:r>
-                          <a:rPr lang="en-AU" sz="1400" b="0" i="0" smtClean="0">
+                          <a:rPr lang="en-AU" sz="1400">
                             <a:latin typeface="Cambria Math" panose="02040503050406030204" pitchFamily="18" charset="0"/>
                           </a:rPr>
                           <m:t>2</m:t>
@@ -3501,7 +3501,7 @@
             </p:nvSpPr>
             <p:spPr>
               <a:xfrm>
-                <a:off x="7799713" y="419895"/>
+                <a:off x="6999844" y="419897"/>
                 <a:ext cx="1326255" cy="307777"/>
               </a:xfrm>
               <a:prstGeom prst="rect">
@@ -3537,7 +3537,7 @@
         </p:nvSpPr>
         <p:spPr>
           <a:xfrm>
-            <a:off x="3631969" y="451258"/>
+            <a:off x="3210431" y="451184"/>
             <a:ext cx="325465" cy="170481"/>
           </a:xfrm>
           <a:prstGeom prst="rect">
@@ -3586,7 +3586,7 @@
         </p:nvSpPr>
         <p:spPr>
           <a:xfrm>
-            <a:off x="3631969" y="199243"/>
+            <a:off x="3210431" y="199169"/>
             <a:ext cx="325465" cy="170481"/>
           </a:xfrm>
           <a:prstGeom prst="rect">
@@ -3632,7 +3632,7 @@
         </p:nvCxnSpPr>
         <p:spPr>
           <a:xfrm flipH="1">
-            <a:off x="2464233" y="1640520"/>
+            <a:off x="2042695" y="1640446"/>
             <a:ext cx="116235" cy="219279"/>
           </a:xfrm>
           <a:prstGeom prst="straightConnector1">
@@ -3668,7 +3668,7 @@
         </p:nvCxnSpPr>
         <p:spPr>
           <a:xfrm>
-            <a:off x="6160576" y="1790057"/>
+            <a:off x="5360707" y="1790057"/>
             <a:ext cx="178231" cy="166852"/>
           </a:xfrm>
           <a:prstGeom prst="straightConnector1">
@@ -3704,7 +3704,7 @@
         </p:nvCxnSpPr>
         <p:spPr>
           <a:xfrm flipH="1" flipV="1">
-            <a:off x="5231978" y="790110"/>
+            <a:off x="4432109" y="790110"/>
             <a:ext cx="552055" cy="689980"/>
           </a:xfrm>
           <a:prstGeom prst="straightConnector1">
@@ -3740,7 +3740,7 @@
         </p:nvCxnSpPr>
         <p:spPr>
           <a:xfrm flipH="1" flipV="1">
-            <a:off x="8102888" y="284483"/>
+            <a:off x="7303017" y="284483"/>
             <a:ext cx="132078" cy="168252"/>
           </a:xfrm>
           <a:prstGeom prst="straightConnector1">
@@ -3776,7 +3776,7 @@
         </p:nvSpPr>
         <p:spPr>
           <a:xfrm>
-            <a:off x="2143954" y="591725"/>
+            <a:off x="1722414" y="591651"/>
             <a:ext cx="1587454" cy="307777"/>
           </a:xfrm>
           <a:prstGeom prst="rect">
@@ -3791,7 +3791,7 @@
           <a:lstStyle/>
           <a:p>
             <a:r>
-              <a:rPr lang="en-AU" sz="1400" dirty="0" smtClean="0"/>
+              <a:rPr lang="en-AU" sz="1400" dirty="0"/>
               <a:t>Optical markers</a:t>
             </a:r>
             <a:endParaRPr lang="en-AU" sz="1400" dirty="0"/>
@@ -3808,7 +3808,7 @@
             </p:nvSpPr>
             <p:spPr>
               <a:xfrm>
-                <a:off x="6999513" y="2694011"/>
+                <a:off x="6199642" y="2694013"/>
                 <a:ext cx="1071322" cy="307777"/>
               </a:xfrm>
               <a:prstGeom prst="rect">
@@ -3823,7 +3823,7 @@
               <a:lstStyle/>
               <a:p>
                 <a:r>
-                  <a:rPr lang="en-AU" sz="1400" dirty="0" smtClean="0"/>
+                  <a:rPr lang="en-AU" sz="1400" dirty="0"/>
                   <a:t>8nm Si</a:t>
                 </a:r>
                 <a14:m>
@@ -3831,7 +3831,7 @@
                     <m:sSub>
                       <m:sSubPr>
                         <m:ctrlPr>
-                          <a:rPr lang="en-AU" sz="1400" b="0" i="1" smtClean="0">
+                          <a:rPr lang="en-AU" sz="1400" i="1">
                             <a:latin typeface="Cambria Math" panose="02040503050406030204" pitchFamily="18" charset="0"/>
                           </a:rPr>
                         </m:ctrlPr>
@@ -3841,7 +3841,7 @@
                           <m:rPr>
                             <m:sty m:val="p"/>
                           </m:rPr>
-                          <a:rPr lang="en-AU" sz="1400" b="0" i="0" smtClean="0">
+                          <a:rPr lang="en-AU" sz="1400">
                             <a:latin typeface="Cambria Math" panose="02040503050406030204" pitchFamily="18" charset="0"/>
                           </a:rPr>
                           <m:t>O</m:t>
@@ -3849,7 +3849,7 @@
                       </m:e>
                       <m:sub>
                         <m:r>
-                          <a:rPr lang="en-AU" sz="1400" b="0" i="0" smtClean="0">
+                          <a:rPr lang="en-AU" sz="1400">
                             <a:latin typeface="Cambria Math" panose="02040503050406030204" pitchFamily="18" charset="0"/>
                           </a:rPr>
                           <m:t>2</m:t>
@@ -3874,7 +3874,7 @@
             </p:nvSpPr>
             <p:spPr>
               <a:xfrm>
-                <a:off x="6999513" y="2694011"/>
+                <a:off x="6199642" y="2694013"/>
                 <a:ext cx="1071322" cy="307777"/>
               </a:xfrm>
               <a:prstGeom prst="rect">
@@ -3910,7 +3910,7 @@
         </p:nvCxnSpPr>
         <p:spPr>
           <a:xfrm>
-            <a:off x="3161914" y="834565"/>
+            <a:off x="2740376" y="834489"/>
             <a:ext cx="178231" cy="166852"/>
           </a:xfrm>
           <a:prstGeom prst="straightConnector1">
@@ -3946,7 +3946,7 @@
         </p:nvCxnSpPr>
         <p:spPr>
           <a:xfrm>
-            <a:off x="433942" y="4041855"/>
+            <a:off x="12403" y="4057277"/>
             <a:ext cx="3968457" cy="0"/>
           </a:xfrm>
           <a:prstGeom prst="straightConnector1">
@@ -3983,7 +3983,7 @@
         </p:nvSpPr>
         <p:spPr>
           <a:xfrm>
-            <a:off x="2177771" y="4031353"/>
+            <a:off x="1756233" y="4031279"/>
             <a:ext cx="984143" cy="307777"/>
           </a:xfrm>
           <a:prstGeom prst="rect">
@@ -3998,7 +3998,7 @@
           <a:lstStyle/>
           <a:p>
             <a:r>
-              <a:rPr lang="en-AU" sz="1400" dirty="0" smtClean="0"/>
+              <a:rPr lang="en-AU" sz="1400" dirty="0"/>
               <a:t>1.2 mm</a:t>
             </a:r>
             <a:endParaRPr lang="en-AU" sz="1400" dirty="0"/>
@@ -4013,7 +4013,7 @@
         </p:nvCxnSpPr>
         <p:spPr>
           <a:xfrm flipV="1">
-            <a:off x="4854501" y="4050779"/>
+            <a:off x="4054630" y="4050779"/>
             <a:ext cx="6574602" cy="10502"/>
           </a:xfrm>
           <a:prstGeom prst="straightConnector1">
@@ -4050,7 +4050,7 @@
         </p:nvSpPr>
         <p:spPr>
           <a:xfrm>
-            <a:off x="7799713" y="4050779"/>
+            <a:off x="6999844" y="4050781"/>
             <a:ext cx="984143" cy="307777"/>
           </a:xfrm>
           <a:prstGeom prst="rect">
@@ -4065,7 +4065,7 @@
           <a:lstStyle/>
           <a:p>
             <a:r>
-              <a:rPr lang="en-AU" sz="1400" dirty="0" smtClean="0"/>
+              <a:rPr lang="en-AU" sz="1400" dirty="0"/>
               <a:t>10 mm</a:t>
             </a:r>
             <a:endParaRPr lang="en-AU" sz="1400" dirty="0"/>
